--- a/05_03ListsTuplesCS152.pptx
+++ b/05_03ListsTuplesCS152.pptx
@@ -6,18 +6,19 @@
     <p:sldMasterId id="2147483686" r:id="rId5"/>
   </p:sldMasterIdLst>
   <p:notesMasterIdLst>
-    <p:notesMasterId r:id="rId15"/>
+    <p:notesMasterId r:id="rId16"/>
   </p:notesMasterIdLst>
   <p:sldIdLst>
     <p:sldId id="256" r:id="rId6"/>
     <p:sldId id="268" r:id="rId7"/>
-    <p:sldId id="288" r:id="rId8"/>
-    <p:sldId id="290" r:id="rId9"/>
-    <p:sldId id="289" r:id="rId10"/>
-    <p:sldId id="291" r:id="rId11"/>
-    <p:sldId id="292" r:id="rId12"/>
-    <p:sldId id="293" r:id="rId13"/>
-    <p:sldId id="294" r:id="rId14"/>
+    <p:sldId id="295" r:id="rId8"/>
+    <p:sldId id="288" r:id="rId9"/>
+    <p:sldId id="290" r:id="rId10"/>
+    <p:sldId id="289" r:id="rId11"/>
+    <p:sldId id="291" r:id="rId12"/>
+    <p:sldId id="292" r:id="rId13"/>
+    <p:sldId id="293" r:id="rId14"/>
+    <p:sldId id="294" r:id="rId15"/>
   </p:sldIdLst>
   <p:sldSz cx="9144000" cy="5143500" type="screen16x9"/>
   <p:notesSz cx="6858000" cy="9144000"/>
@@ -269,382 +270,50 @@
 </p:presentation>
 </file>
 
-<file path=ppt/revisionInfo.xml><?xml version="1.0" encoding="utf-8"?>
-<p1510:revInfo xmlns:a="http://schemas.openxmlformats.org/drawingml/2006/main" xmlns:r="http://schemas.openxmlformats.org/officeDocument/2006/relationships" xmlns:p1510="http://schemas.microsoft.com/office/powerpoint/2015/10/main">
-  <p1510:revLst>
-    <p1510:client id="{7470EA89-C701-49D1-9A81-000189317083}" v="7" dt="2022-09-15T01:20:30.617"/>
-  </p1510:revLst>
-</p1510:revInfo>
-</file>
-
 <file path=ppt/changesInfos/changesInfo1.xml><?xml version="1.0" encoding="utf-8"?>
 <pc:chgInfo xmlns:a="http://schemas.openxmlformats.org/drawingml/2006/main" xmlns:r="http://schemas.openxmlformats.org/officeDocument/2006/relationships" xmlns:ac="http://schemas.microsoft.com/office/drawing/2013/main/command" xmlns:pc="http://schemas.microsoft.com/office/powerpoint/2013/main/command">
   <pc:docChgLst>
-    <pc:chgData name="Moraes,Marcia" userId="c9c67e8a-58e2-4733-9a1c-5d44fec4775b" providerId="ADAL" clId="{7470EA89-C701-49D1-9A81-000189317083}"/>
-    <pc:docChg chg="undo custSel addSld delSld modSld">
-      <pc:chgData name="Moraes,Marcia" userId="c9c67e8a-58e2-4733-9a1c-5d44fec4775b" providerId="ADAL" clId="{7470EA89-C701-49D1-9A81-000189317083}" dt="2022-09-15T01:29:08.424" v="654" actId="20577"/>
+    <pc:chgData name="Marcia Moraes" userId="c9c67e8a-58e2-4733-9a1c-5d44fec4775b" providerId="ADAL" clId="{006A257C-8F4B-480F-8729-B15DF72DF929}"/>
+    <pc:docChg chg="custSel addSld modSld">
+      <pc:chgData name="Marcia Moraes" userId="c9c67e8a-58e2-4733-9a1c-5d44fec4775b" providerId="ADAL" clId="{006A257C-8F4B-480F-8729-B15DF72DF929}" dt="2023-02-09T01:44:44.566" v="103"/>
       <pc:docMkLst>
         <pc:docMk/>
       </pc:docMkLst>
-      <pc:sldChg chg="modSp mod">
-        <pc:chgData name="Moraes,Marcia" userId="c9c67e8a-58e2-4733-9a1c-5d44fec4775b" providerId="ADAL" clId="{7470EA89-C701-49D1-9A81-000189317083}" dt="2022-09-12T00:57:40.514" v="17" actId="20577"/>
+      <pc:sldChg chg="delSp modSp add">
+        <pc:chgData name="Marcia Moraes" userId="c9c67e8a-58e2-4733-9a1c-5d44fec4775b" providerId="ADAL" clId="{006A257C-8F4B-480F-8729-B15DF72DF929}" dt="2023-02-09T01:44:44.566" v="103"/>
         <pc:sldMkLst>
           <pc:docMk/>
-          <pc:sldMk cId="0" sldId="256"/>
+          <pc:sldMk cId="3381731544" sldId="295"/>
         </pc:sldMkLst>
         <pc:spChg chg="mod">
-          <ac:chgData name="Moraes,Marcia" userId="c9c67e8a-58e2-4733-9a1c-5d44fec4775b" providerId="ADAL" clId="{7470EA89-C701-49D1-9A81-000189317083}" dt="2022-09-12T00:57:40.514" v="17" actId="20577"/>
+          <ac:chgData name="Marcia Moraes" userId="c9c67e8a-58e2-4733-9a1c-5d44fec4775b" providerId="ADAL" clId="{006A257C-8F4B-480F-8729-B15DF72DF929}" dt="2023-02-09T01:43:36.091" v="15" actId="20577"/>
           <ac:spMkLst>
             <pc:docMk/>
-            <pc:sldMk cId="0" sldId="256"/>
-            <ac:spMk id="185" creationId="{00000000-0000-0000-0000-000000000000}"/>
+            <pc:sldMk cId="3381731544" sldId="295"/>
+            <ac:spMk id="5" creationId="{C41A88B0-CF49-5149-8DBA-17B1BA803727}"/>
           </ac:spMkLst>
         </pc:spChg>
-      </pc:sldChg>
-      <pc:sldChg chg="addSp delSp modSp mod">
-        <pc:chgData name="Moraes,Marcia" userId="c9c67e8a-58e2-4733-9a1c-5d44fec4775b" providerId="ADAL" clId="{7470EA89-C701-49D1-9A81-000189317083}" dt="2022-09-12T00:59:40.188" v="25" actId="1076"/>
-        <pc:sldMkLst>
-          <pc:docMk/>
-          <pc:sldMk cId="2954226462" sldId="268"/>
-        </pc:sldMkLst>
         <pc:spChg chg="mod">
-          <ac:chgData name="Moraes,Marcia" userId="c9c67e8a-58e2-4733-9a1c-5d44fec4775b" providerId="ADAL" clId="{7470EA89-C701-49D1-9A81-000189317083}" dt="2022-09-12T00:57:49.939" v="22" actId="5793"/>
+          <ac:chgData name="Marcia Moraes" userId="c9c67e8a-58e2-4733-9a1c-5d44fec4775b" providerId="ADAL" clId="{006A257C-8F4B-480F-8729-B15DF72DF929}" dt="2023-02-09T01:44:44.566" v="103"/>
           <ac:spMkLst>
             <pc:docMk/>
-            <pc:sldMk cId="2954226462" sldId="268"/>
+            <pc:sldMk cId="3381731544" sldId="295"/>
             <ac:spMk id="7" creationId="{F1F79DD2-1F3F-234C-A44A-3A87D436D29A}"/>
           </ac:spMkLst>
         </pc:spChg>
         <pc:picChg chg="del">
-          <ac:chgData name="Moraes,Marcia" userId="c9c67e8a-58e2-4733-9a1c-5d44fec4775b" providerId="ADAL" clId="{7470EA89-C701-49D1-9A81-000189317083}" dt="2022-09-12T00:59:33.688" v="23" actId="478"/>
+          <ac:chgData name="Marcia Moraes" userId="c9c67e8a-58e2-4733-9a1c-5d44fec4775b" providerId="ADAL" clId="{006A257C-8F4B-480F-8729-B15DF72DF929}" dt="2023-02-09T01:43:39.271" v="16" actId="478"/>
           <ac:picMkLst>
             <pc:docMk/>
-            <pc:sldMk cId="2954226462" sldId="268"/>
-            <ac:picMk id="3" creationId="{BC65C064-B731-C1C4-823E-03DEC4CD6BE5}"/>
-          </ac:picMkLst>
-        </pc:picChg>
-        <pc:picChg chg="add mod">
-          <ac:chgData name="Moraes,Marcia" userId="c9c67e8a-58e2-4733-9a1c-5d44fec4775b" providerId="ADAL" clId="{7470EA89-C701-49D1-9A81-000189317083}" dt="2022-09-12T00:59:40.188" v="25" actId="1076"/>
-          <ac:picMkLst>
-            <pc:docMk/>
-            <pc:sldMk cId="2954226462" sldId="268"/>
+            <pc:sldMk cId="3381731544" sldId="295"/>
             <ac:picMk id="1026" creationId="{A3571F68-6962-EC08-166F-EDEBF7C80F52}"/>
           </ac:picMkLst>
         </pc:picChg>
       </pc:sldChg>
-      <pc:sldChg chg="del">
-        <pc:chgData name="Moraes,Marcia" userId="c9c67e8a-58e2-4733-9a1c-5d44fec4775b" providerId="ADAL" clId="{7470EA89-C701-49D1-9A81-000189317083}" dt="2022-09-12T01:00:16.989" v="26" actId="47"/>
-        <pc:sldMkLst>
-          <pc:docMk/>
-          <pc:sldMk cId="2945212090" sldId="287"/>
-        </pc:sldMkLst>
-      </pc:sldChg>
-      <pc:sldChg chg="addSp delSp modSp mod delAnim modAnim">
-        <pc:chgData name="Moraes,Marcia" userId="c9c67e8a-58e2-4733-9a1c-5d44fec4775b" providerId="ADAL" clId="{7470EA89-C701-49D1-9A81-000189317083}" dt="2022-09-12T01:04:43.804" v="121" actId="20577"/>
-        <pc:sldMkLst>
-          <pc:docMk/>
-          <pc:sldMk cId="1172125351" sldId="288"/>
-        </pc:sldMkLst>
-        <pc:spChg chg="mod">
-          <ac:chgData name="Moraes,Marcia" userId="c9c67e8a-58e2-4733-9a1c-5d44fec4775b" providerId="ADAL" clId="{7470EA89-C701-49D1-9A81-000189317083}" dt="2022-09-12T01:00:21.194" v="31" actId="20577"/>
-          <ac:spMkLst>
-            <pc:docMk/>
-            <pc:sldMk cId="1172125351" sldId="288"/>
-            <ac:spMk id="2" creationId="{6302E6FC-80C8-2F4C-A9F0-9B205434775A}"/>
-          </ac:spMkLst>
-        </pc:spChg>
-        <pc:spChg chg="mod">
-          <ac:chgData name="Moraes,Marcia" userId="c9c67e8a-58e2-4733-9a1c-5d44fec4775b" providerId="ADAL" clId="{7470EA89-C701-49D1-9A81-000189317083}" dt="2022-09-12T01:01:11.531" v="36" actId="255"/>
-          <ac:spMkLst>
-            <pc:docMk/>
-            <pc:sldMk cId="1172125351" sldId="288"/>
-            <ac:spMk id="3" creationId="{93E01694-2C32-BA4D-B6F8-4BE99716E841}"/>
-          </ac:spMkLst>
-        </pc:spChg>
-        <pc:spChg chg="add del mod">
-          <ac:chgData name="Moraes,Marcia" userId="c9c67e8a-58e2-4733-9a1c-5d44fec4775b" providerId="ADAL" clId="{7470EA89-C701-49D1-9A81-000189317083}" dt="2022-09-12T01:01:06.292" v="35" actId="478"/>
-          <ac:spMkLst>
-            <pc:docMk/>
-            <pc:sldMk cId="1172125351" sldId="288"/>
-            <ac:spMk id="4" creationId="{3F95C41C-D69D-9AE8-6490-5FF083128283}"/>
-          </ac:spMkLst>
-        </pc:spChg>
-        <pc:spChg chg="add mod">
-          <ac:chgData name="Moraes,Marcia" userId="c9c67e8a-58e2-4733-9a1c-5d44fec4775b" providerId="ADAL" clId="{7470EA89-C701-49D1-9A81-000189317083}" dt="2022-09-12T01:04:43.804" v="121" actId="20577"/>
-          <ac:spMkLst>
-            <pc:docMk/>
-            <pc:sldMk cId="1172125351" sldId="288"/>
-            <ac:spMk id="5" creationId="{3709B45A-84BC-B10A-FD04-28C712DD173A}"/>
-          </ac:spMkLst>
-        </pc:spChg>
-        <pc:spChg chg="add mod">
-          <ac:chgData name="Moraes,Marcia" userId="c9c67e8a-58e2-4733-9a1c-5d44fec4775b" providerId="ADAL" clId="{7470EA89-C701-49D1-9A81-000189317083}" dt="2022-09-12T01:04:04.908" v="120" actId="1076"/>
-          <ac:spMkLst>
-            <pc:docMk/>
-            <pc:sldMk cId="1172125351" sldId="288"/>
-            <ac:spMk id="6" creationId="{87A8683E-BD85-5661-8AE8-A4784F57D0DA}"/>
-          </ac:spMkLst>
-        </pc:spChg>
-        <pc:spChg chg="add del mod">
-          <ac:chgData name="Moraes,Marcia" userId="c9c67e8a-58e2-4733-9a1c-5d44fec4775b" providerId="ADAL" clId="{7470EA89-C701-49D1-9A81-000189317083}" dt="2022-09-12T01:03:54.411" v="117" actId="478"/>
-          <ac:spMkLst>
-            <pc:docMk/>
-            <pc:sldMk cId="1172125351" sldId="288"/>
-            <ac:spMk id="7" creationId="{9F24C902-9BDE-62A5-7C01-EE4A46A588C8}"/>
-          </ac:spMkLst>
-        </pc:spChg>
-        <pc:spChg chg="add del mod">
-          <ac:chgData name="Moraes,Marcia" userId="c9c67e8a-58e2-4733-9a1c-5d44fec4775b" providerId="ADAL" clId="{7470EA89-C701-49D1-9A81-000189317083}" dt="2022-09-12T01:03:55.171" v="118" actId="478"/>
-          <ac:spMkLst>
-            <pc:docMk/>
-            <pc:sldMk cId="1172125351" sldId="288"/>
-            <ac:spMk id="8" creationId="{F73F6979-815D-14A4-7106-EB281FDD32C6}"/>
-          </ac:spMkLst>
-        </pc:spChg>
-        <pc:spChg chg="add del mod">
-          <ac:chgData name="Moraes,Marcia" userId="c9c67e8a-58e2-4733-9a1c-5d44fec4775b" providerId="ADAL" clId="{7470EA89-C701-49D1-9A81-000189317083}" dt="2022-09-12T01:03:56.718" v="119" actId="478"/>
-          <ac:spMkLst>
-            <pc:docMk/>
-            <pc:sldMk cId="1172125351" sldId="288"/>
-            <ac:spMk id="9" creationId="{628B51EA-B9AE-1A7E-9DCD-A3DF76642CEF}"/>
-          </ac:spMkLst>
-        </pc:spChg>
-      </pc:sldChg>
-      <pc:sldChg chg="addSp delSp modSp mod">
-        <pc:chgData name="Moraes,Marcia" userId="c9c67e8a-58e2-4733-9a1c-5d44fec4775b" providerId="ADAL" clId="{7470EA89-C701-49D1-9A81-000189317083}" dt="2022-09-12T01:08:05.727" v="185" actId="1076"/>
-        <pc:sldMkLst>
-          <pc:docMk/>
-          <pc:sldMk cId="3118603277" sldId="289"/>
-        </pc:sldMkLst>
-        <pc:spChg chg="mod">
-          <ac:chgData name="Moraes,Marcia" userId="c9c67e8a-58e2-4733-9a1c-5d44fec4775b" providerId="ADAL" clId="{7470EA89-C701-49D1-9A81-000189317083}" dt="2022-09-12T01:06:42.995" v="153" actId="20577"/>
-          <ac:spMkLst>
-            <pc:docMk/>
-            <pc:sldMk cId="3118603277" sldId="289"/>
-            <ac:spMk id="2" creationId="{6302E6FC-80C8-2F4C-A9F0-9B205434775A}"/>
-          </ac:spMkLst>
-        </pc:spChg>
-        <pc:spChg chg="del">
-          <ac:chgData name="Moraes,Marcia" userId="c9c67e8a-58e2-4733-9a1c-5d44fec4775b" providerId="ADAL" clId="{7470EA89-C701-49D1-9A81-000189317083}" dt="2022-09-12T01:06:51.570" v="155" actId="478"/>
-          <ac:spMkLst>
-            <pc:docMk/>
-            <pc:sldMk cId="3118603277" sldId="289"/>
-            <ac:spMk id="3" creationId="{93E01694-2C32-BA4D-B6F8-4BE99716E841}"/>
-          </ac:spMkLst>
-        </pc:spChg>
-        <pc:spChg chg="add mod">
-          <ac:chgData name="Moraes,Marcia" userId="c9c67e8a-58e2-4733-9a1c-5d44fec4775b" providerId="ADAL" clId="{7470EA89-C701-49D1-9A81-000189317083}" dt="2022-09-12T01:08:05.727" v="185" actId="1076"/>
-          <ac:spMkLst>
-            <pc:docMk/>
-            <pc:sldMk cId="3118603277" sldId="289"/>
-            <ac:spMk id="4" creationId="{D4E4DFA7-AE96-E290-1283-FB9DF8D85E4F}"/>
-          </ac:spMkLst>
-        </pc:spChg>
-        <pc:spChg chg="del">
-          <ac:chgData name="Moraes,Marcia" userId="c9c67e8a-58e2-4733-9a1c-5d44fec4775b" providerId="ADAL" clId="{7470EA89-C701-49D1-9A81-000189317083}" dt="2022-09-12T01:06:59.483" v="156" actId="478"/>
-          <ac:spMkLst>
-            <pc:docMk/>
-            <pc:sldMk cId="3118603277" sldId="289"/>
-            <ac:spMk id="5" creationId="{9F5C8D9B-3946-59D4-E401-372D776DB617}"/>
-          </ac:spMkLst>
-        </pc:spChg>
-        <pc:spChg chg="add del mod">
-          <ac:chgData name="Moraes,Marcia" userId="c9c67e8a-58e2-4733-9a1c-5d44fec4775b" providerId="ADAL" clId="{7470EA89-C701-49D1-9A81-000189317083}" dt="2022-09-12T01:07:03.555" v="157" actId="478"/>
-          <ac:spMkLst>
-            <pc:docMk/>
-            <pc:sldMk cId="3118603277" sldId="289"/>
-            <ac:spMk id="7" creationId="{BF25C292-437A-AEAB-2E5D-63FD5C548272}"/>
-          </ac:spMkLst>
-        </pc:spChg>
-      </pc:sldChg>
-      <pc:sldChg chg="addSp delSp modSp mod">
-        <pc:chgData name="Moraes,Marcia" userId="c9c67e8a-58e2-4733-9a1c-5d44fec4775b" providerId="ADAL" clId="{7470EA89-C701-49D1-9A81-000189317083}" dt="2022-09-12T01:06:11.801" v="139" actId="20577"/>
-        <pc:sldMkLst>
-          <pc:docMk/>
-          <pc:sldMk cId="1952093133" sldId="290"/>
-        </pc:sldMkLst>
-        <pc:spChg chg="mod">
-          <ac:chgData name="Moraes,Marcia" userId="c9c67e8a-58e2-4733-9a1c-5d44fec4775b" providerId="ADAL" clId="{7470EA89-C701-49D1-9A81-000189317083}" dt="2022-09-12T01:06:11.801" v="139" actId="20577"/>
-          <ac:spMkLst>
-            <pc:docMk/>
-            <pc:sldMk cId="1952093133" sldId="290"/>
-            <ac:spMk id="2" creationId="{6302E6FC-80C8-2F4C-A9F0-9B205434775A}"/>
-          </ac:spMkLst>
-        </pc:spChg>
-        <pc:spChg chg="del">
-          <ac:chgData name="Moraes,Marcia" userId="c9c67e8a-58e2-4733-9a1c-5d44fec4775b" providerId="ADAL" clId="{7470EA89-C701-49D1-9A81-000189317083}" dt="2022-09-12T01:05:50.173" v="122" actId="478"/>
-          <ac:spMkLst>
-            <pc:docMk/>
-            <pc:sldMk cId="1952093133" sldId="290"/>
-            <ac:spMk id="3" creationId="{93E01694-2C32-BA4D-B6F8-4BE99716E841}"/>
-          </ac:spMkLst>
-        </pc:spChg>
-        <pc:spChg chg="add mod">
-          <ac:chgData name="Moraes,Marcia" userId="c9c67e8a-58e2-4733-9a1c-5d44fec4775b" providerId="ADAL" clId="{7470EA89-C701-49D1-9A81-000189317083}" dt="2022-09-12T01:05:50.173" v="122" actId="478"/>
-          <ac:spMkLst>
-            <pc:docMk/>
-            <pc:sldMk cId="1952093133" sldId="290"/>
-            <ac:spMk id="5" creationId="{374EE40D-A837-C807-F9A5-A4C388DE9218}"/>
-          </ac:spMkLst>
-        </pc:spChg>
-        <pc:picChg chg="add mod">
-          <ac:chgData name="Moraes,Marcia" userId="c9c67e8a-58e2-4733-9a1c-5d44fec4775b" providerId="ADAL" clId="{7470EA89-C701-49D1-9A81-000189317083}" dt="2022-09-12T01:05:57.983" v="125" actId="1076"/>
-          <ac:picMkLst>
-            <pc:docMk/>
-            <pc:sldMk cId="1952093133" sldId="290"/>
-            <ac:picMk id="7" creationId="{399D2CA0-DC45-1C1C-5F54-9677E33A0F92}"/>
-          </ac:picMkLst>
-        </pc:picChg>
-      </pc:sldChg>
-      <pc:sldChg chg="addSp delSp modSp add mod">
-        <pc:chgData name="Moraes,Marcia" userId="c9c67e8a-58e2-4733-9a1c-5d44fec4775b" providerId="ADAL" clId="{7470EA89-C701-49D1-9A81-000189317083}" dt="2022-09-15T01:02:10.344" v="193" actId="1076"/>
-        <pc:sldMkLst>
-          <pc:docMk/>
-          <pc:sldMk cId="1723161716" sldId="291"/>
-        </pc:sldMkLst>
-        <pc:spChg chg="del">
-          <ac:chgData name="Moraes,Marcia" userId="c9c67e8a-58e2-4733-9a1c-5d44fec4775b" providerId="ADAL" clId="{7470EA89-C701-49D1-9A81-000189317083}" dt="2022-09-15T01:01:35.689" v="187" actId="478"/>
-          <ac:spMkLst>
-            <pc:docMk/>
-            <pc:sldMk cId="1723161716" sldId="291"/>
-            <ac:spMk id="4" creationId="{D4E4DFA7-AE96-E290-1283-FB9DF8D85E4F}"/>
-          </ac:spMkLst>
-        </pc:spChg>
-        <pc:picChg chg="add mod">
-          <ac:chgData name="Moraes,Marcia" userId="c9c67e8a-58e2-4733-9a1c-5d44fec4775b" providerId="ADAL" clId="{7470EA89-C701-49D1-9A81-000189317083}" dt="2022-09-15T01:01:38.920" v="189" actId="1076"/>
-          <ac:picMkLst>
-            <pc:docMk/>
-            <pc:sldMk cId="1723161716" sldId="291"/>
-            <ac:picMk id="5" creationId="{FBFDFBFB-E036-D0EC-27F2-55AF4828AE78}"/>
-          </ac:picMkLst>
-        </pc:picChg>
-        <pc:picChg chg="add mod">
-          <ac:chgData name="Moraes,Marcia" userId="c9c67e8a-58e2-4733-9a1c-5d44fec4775b" providerId="ADAL" clId="{7470EA89-C701-49D1-9A81-000189317083}" dt="2022-09-15T01:02:10.344" v="193" actId="1076"/>
-          <ac:picMkLst>
-            <pc:docMk/>
-            <pc:sldMk cId="1723161716" sldId="291"/>
-            <ac:picMk id="7" creationId="{A6933F5D-FA4C-DC51-B47B-FFE75AC9D11F}"/>
-          </ac:picMkLst>
-        </pc:picChg>
-      </pc:sldChg>
-      <pc:sldChg chg="addSp delSp modSp add mod">
-        <pc:chgData name="Moraes,Marcia" userId="c9c67e8a-58e2-4733-9a1c-5d44fec4775b" providerId="ADAL" clId="{7470EA89-C701-49D1-9A81-000189317083}" dt="2022-09-15T01:08:45.977" v="209" actId="14100"/>
-        <pc:sldMkLst>
-          <pc:docMk/>
-          <pc:sldMk cId="3953553165" sldId="292"/>
-        </pc:sldMkLst>
-        <pc:spChg chg="mod">
-          <ac:chgData name="Moraes,Marcia" userId="c9c67e8a-58e2-4733-9a1c-5d44fec4775b" providerId="ADAL" clId="{7470EA89-C701-49D1-9A81-000189317083}" dt="2022-09-15T01:06:59.487" v="200" actId="20577"/>
-          <ac:spMkLst>
-            <pc:docMk/>
-            <pc:sldMk cId="3953553165" sldId="292"/>
-            <ac:spMk id="2" creationId="{6302E6FC-80C8-2F4C-A9F0-9B205434775A}"/>
-          </ac:spMkLst>
-        </pc:spChg>
-        <pc:spChg chg="mod">
-          <ac:chgData name="Moraes,Marcia" userId="c9c67e8a-58e2-4733-9a1c-5d44fec4775b" providerId="ADAL" clId="{7470EA89-C701-49D1-9A81-000189317083}" dt="2022-09-15T01:07:27.379" v="205" actId="6549"/>
-          <ac:spMkLst>
-            <pc:docMk/>
-            <pc:sldMk cId="3953553165" sldId="292"/>
-            <ac:spMk id="3" creationId="{93E01694-2C32-BA4D-B6F8-4BE99716E841}"/>
-          </ac:spMkLst>
-        </pc:spChg>
-        <pc:spChg chg="del">
-          <ac:chgData name="Moraes,Marcia" userId="c9c67e8a-58e2-4733-9a1c-5d44fec4775b" providerId="ADAL" clId="{7470EA89-C701-49D1-9A81-000189317083}" dt="2022-09-15T01:07:29.785" v="206" actId="478"/>
-          <ac:spMkLst>
-            <pc:docMk/>
-            <pc:sldMk cId="3953553165" sldId="292"/>
-            <ac:spMk id="5" creationId="{3709B45A-84BC-B10A-FD04-28C712DD173A}"/>
-          </ac:spMkLst>
-        </pc:spChg>
-        <pc:spChg chg="del">
-          <ac:chgData name="Moraes,Marcia" userId="c9c67e8a-58e2-4733-9a1c-5d44fec4775b" providerId="ADAL" clId="{7470EA89-C701-49D1-9A81-000189317083}" dt="2022-09-15T01:07:31.273" v="207" actId="478"/>
-          <ac:spMkLst>
-            <pc:docMk/>
-            <pc:sldMk cId="3953553165" sldId="292"/>
-            <ac:spMk id="6" creationId="{87A8683E-BD85-5661-8AE8-A4784F57D0DA}"/>
-          </ac:spMkLst>
-        </pc:spChg>
-        <pc:picChg chg="add mod">
-          <ac:chgData name="Moraes,Marcia" userId="c9c67e8a-58e2-4733-9a1c-5d44fec4775b" providerId="ADAL" clId="{7470EA89-C701-49D1-9A81-000189317083}" dt="2022-09-15T01:08:45.977" v="209" actId="14100"/>
-          <ac:picMkLst>
-            <pc:docMk/>
-            <pc:sldMk cId="3953553165" sldId="292"/>
-            <ac:picMk id="7" creationId="{87F79DFE-DE37-6969-F667-BC9E748598FF}"/>
-          </ac:picMkLst>
-        </pc:picChg>
-      </pc:sldChg>
-      <pc:sldChg chg="addSp delSp modSp add mod">
-        <pc:chgData name="Moraes,Marcia" userId="c9c67e8a-58e2-4733-9a1c-5d44fec4775b" providerId="ADAL" clId="{7470EA89-C701-49D1-9A81-000189317083}" dt="2022-09-15T01:14:36.599" v="228" actId="6549"/>
-        <pc:sldMkLst>
-          <pc:docMk/>
-          <pc:sldMk cId="407673235" sldId="293"/>
-        </pc:sldMkLst>
-        <pc:spChg chg="mod">
-          <ac:chgData name="Moraes,Marcia" userId="c9c67e8a-58e2-4733-9a1c-5d44fec4775b" providerId="ADAL" clId="{7470EA89-C701-49D1-9A81-000189317083}" dt="2022-09-15T01:11:41.966" v="220" actId="20577"/>
-          <ac:spMkLst>
-            <pc:docMk/>
-            <pc:sldMk cId="407673235" sldId="293"/>
-            <ac:spMk id="2" creationId="{6302E6FC-80C8-2F4C-A9F0-9B205434775A}"/>
-          </ac:spMkLst>
-        </pc:spChg>
-        <pc:spChg chg="mod">
-          <ac:chgData name="Moraes,Marcia" userId="c9c67e8a-58e2-4733-9a1c-5d44fec4775b" providerId="ADAL" clId="{7470EA89-C701-49D1-9A81-000189317083}" dt="2022-09-15T01:14:36.599" v="228" actId="6549"/>
-          <ac:spMkLst>
-            <pc:docMk/>
-            <pc:sldMk cId="407673235" sldId="293"/>
-            <ac:spMk id="3" creationId="{93E01694-2C32-BA4D-B6F8-4BE99716E841}"/>
-          </ac:spMkLst>
-        </pc:spChg>
-        <pc:picChg chg="add mod">
-          <ac:chgData name="Moraes,Marcia" userId="c9c67e8a-58e2-4733-9a1c-5d44fec4775b" providerId="ADAL" clId="{7470EA89-C701-49D1-9A81-000189317083}" dt="2022-09-15T01:11:31.202" v="214" actId="1076"/>
-          <ac:picMkLst>
-            <pc:docMk/>
-            <pc:sldMk cId="407673235" sldId="293"/>
-            <ac:picMk id="5" creationId="{86610448-DFF4-8B54-DB17-5DB19307F8D5}"/>
-          </ac:picMkLst>
-        </pc:picChg>
-        <pc:picChg chg="del">
-          <ac:chgData name="Moraes,Marcia" userId="c9c67e8a-58e2-4733-9a1c-5d44fec4775b" providerId="ADAL" clId="{7470EA89-C701-49D1-9A81-000189317083}" dt="2022-09-15T01:11:21.159" v="211" actId="478"/>
-          <ac:picMkLst>
-            <pc:docMk/>
-            <pc:sldMk cId="407673235" sldId="293"/>
-            <ac:picMk id="7" creationId="{87F79DFE-DE37-6969-F667-BC9E748598FF}"/>
-          </ac:picMkLst>
-        </pc:picChg>
-      </pc:sldChg>
-      <pc:sldChg chg="delSp modSp add mod">
-        <pc:chgData name="Moraes,Marcia" userId="c9c67e8a-58e2-4733-9a1c-5d44fec4775b" providerId="ADAL" clId="{7470EA89-C701-49D1-9A81-000189317083}" dt="2022-09-15T01:29:08.424" v="654" actId="20577"/>
-        <pc:sldMkLst>
-          <pc:docMk/>
-          <pc:sldMk cId="1028946880" sldId="294"/>
-        </pc:sldMkLst>
-        <pc:spChg chg="mod">
-          <ac:chgData name="Moraes,Marcia" userId="c9c67e8a-58e2-4733-9a1c-5d44fec4775b" providerId="ADAL" clId="{7470EA89-C701-49D1-9A81-000189317083}" dt="2022-09-15T01:21:23.011" v="244" actId="20577"/>
-          <ac:spMkLst>
-            <pc:docMk/>
-            <pc:sldMk cId="1028946880" sldId="294"/>
-            <ac:spMk id="2" creationId="{6302E6FC-80C8-2F4C-A9F0-9B205434775A}"/>
-          </ac:spMkLst>
-        </pc:spChg>
-        <pc:spChg chg="mod">
-          <ac:chgData name="Moraes,Marcia" userId="c9c67e8a-58e2-4733-9a1c-5d44fec4775b" providerId="ADAL" clId="{7470EA89-C701-49D1-9A81-000189317083}" dt="2022-09-15T01:29:08.424" v="654" actId="20577"/>
-          <ac:spMkLst>
-            <pc:docMk/>
-            <pc:sldMk cId="1028946880" sldId="294"/>
-            <ac:spMk id="3" creationId="{93E01694-2C32-BA4D-B6F8-4BE99716E841}"/>
-          </ac:spMkLst>
-        </pc:spChg>
-        <pc:picChg chg="del">
-          <ac:chgData name="Moraes,Marcia" userId="c9c67e8a-58e2-4733-9a1c-5d44fec4775b" providerId="ADAL" clId="{7470EA89-C701-49D1-9A81-000189317083}" dt="2022-09-15T01:21:25.371" v="245" actId="478"/>
-          <ac:picMkLst>
-            <pc:docMk/>
-            <pc:sldMk cId="1028946880" sldId="294"/>
-            <ac:picMk id="5" creationId="{86610448-DFF4-8B54-DB17-5DB19307F8D5}"/>
-          </ac:picMkLst>
-        </pc:picChg>
-      </pc:sldChg>
     </pc:docChg>
+  </pc:docChgLst>
+  <pc:docChgLst>
+    <pc:chgData name="Moraes,Marcia" userId="c9c67e8a-58e2-4733-9a1c-5d44fec4775b" providerId="ADAL" clId="{7470EA89-C701-49D1-9A81-000189317083}"/>
   </pc:docChgLst>
 </pc:chgInfo>
 </file>
@@ -20254,6 +19923,199 @@
 </p:sld>
 </file>
 
+<file path=ppt/slides/slide10.xml><?xml version="1.0" encoding="utf-8"?>
+<p:sld xmlns:a="http://schemas.openxmlformats.org/drawingml/2006/main" xmlns:r="http://schemas.openxmlformats.org/officeDocument/2006/relationships" xmlns:p="http://schemas.openxmlformats.org/presentationml/2006/main">
+  <p:cSld>
+    <p:spTree>
+      <p:nvGrpSpPr>
+        <p:cNvPr id="1" name=""/>
+        <p:cNvGrpSpPr/>
+        <p:nvPr/>
+      </p:nvGrpSpPr>
+      <p:grpSpPr>
+        <a:xfrm>
+          <a:off x="0" y="0"/>
+          <a:ext cx="0" cy="0"/>
+          <a:chOff x="0" y="0"/>
+          <a:chExt cx="0" cy="0"/>
+        </a:xfrm>
+      </p:grpSpPr>
+      <p:sp>
+        <p:nvSpPr>
+          <p:cNvPr id="2" name="Title 1">
+            <a:extLst>
+              <a:ext uri="{FF2B5EF4-FFF2-40B4-BE49-F238E27FC236}">
+                <a16:creationId xmlns:a16="http://schemas.microsoft.com/office/drawing/2014/main" id="{6302E6FC-80C8-2F4C-A9F0-9B205434775A}"/>
+              </a:ext>
+            </a:extLst>
+          </p:cNvPr>
+          <p:cNvSpPr>
+            <a:spLocks noGrp="1"/>
+          </p:cNvSpPr>
+          <p:nvPr>
+            <p:ph type="title"/>
+          </p:nvPr>
+        </p:nvSpPr>
+        <p:spPr>
+          <a:xfrm>
+            <a:off x="415637" y="0"/>
+            <a:ext cx="8312726" cy="734688"/>
+          </a:xfrm>
+        </p:spPr>
+        <p:txBody>
+          <a:bodyPr/>
+          <a:lstStyle/>
+          <a:p>
+            <a:r>
+              <a:rPr lang="en-US" dirty="0"/>
+              <a:t>List Activities</a:t>
+            </a:r>
+            <a:endParaRPr lang="en-US" sz="2800" dirty="0"/>
+          </a:p>
+        </p:txBody>
+      </p:sp>
+      <p:sp>
+        <p:nvSpPr>
+          <p:cNvPr id="3" name="Text Placeholder 2">
+            <a:extLst>
+              <a:ext uri="{FF2B5EF4-FFF2-40B4-BE49-F238E27FC236}">
+                <a16:creationId xmlns:a16="http://schemas.microsoft.com/office/drawing/2014/main" id="{93E01694-2C32-BA4D-B6F8-4BE99716E841}"/>
+              </a:ext>
+            </a:extLst>
+          </p:cNvPr>
+          <p:cNvSpPr>
+            <a:spLocks noGrp="1"/>
+          </p:cNvSpPr>
+          <p:nvPr>
+            <p:ph type="body" sz="quarter" idx="10"/>
+          </p:nvPr>
+        </p:nvSpPr>
+        <p:spPr>
+          <a:xfrm>
+            <a:off x="415637" y="734688"/>
+            <a:ext cx="8312726" cy="3761286"/>
+          </a:xfrm>
+        </p:spPr>
+        <p:txBody>
+          <a:bodyPr/>
+          <a:lstStyle/>
+          <a:p>
+            <a:pPr>
+              <a:buClrTx/>
+            </a:pPr>
+            <a:r>
+              <a:rPr lang="en-US" sz="1800" b="0" i="0" dirty="0">
+                <a:effectLst/>
+                <a:latin typeface="Helvetica" panose="020B0604020202020204" pitchFamily="34" charset="0"/>
+              </a:rPr>
+              <a:t>Write a Python function to multiply all the items in a list.</a:t>
+            </a:r>
+          </a:p>
+          <a:p>
+            <a:pPr>
+              <a:buClrTx/>
+            </a:pPr>
+            <a:r>
+              <a:rPr lang="en-US" sz="1800" dirty="0">
+                <a:latin typeface="Helvetica" panose="020B0604020202020204" pitchFamily="34" charset="0"/>
+              </a:rPr>
+              <a:t>Write a Python function to calculate the average of the elements in a list.</a:t>
+            </a:r>
+          </a:p>
+          <a:p>
+            <a:pPr>
+              <a:buClrTx/>
+            </a:pPr>
+            <a:r>
+              <a:rPr lang="en-US" sz="1800" dirty="0">
+                <a:latin typeface="Helvetica" panose="020B0604020202020204" pitchFamily="34" charset="0"/>
+              </a:rPr>
+              <a:t>Write a Python function to calculate the number of values that are greater than the average of the elements in a list.</a:t>
+            </a:r>
+          </a:p>
+          <a:p>
+            <a:pPr>
+              <a:buClrTx/>
+            </a:pPr>
+            <a:r>
+              <a:rPr lang="en-US" sz="1800" dirty="0">
+                <a:latin typeface="Helvetica" panose="020B0604020202020204" pitchFamily="34" charset="0"/>
+              </a:rPr>
+              <a:t>Given a list, write a Python function to swap first and last element of the list.</a:t>
+            </a:r>
+          </a:p>
+          <a:p>
+            <a:pPr>
+              <a:buClrTx/>
+            </a:pPr>
+            <a:r>
+              <a:rPr lang="en-US" sz="1800" dirty="0">
+                <a:latin typeface="Helvetica" panose="020B0604020202020204" pitchFamily="34" charset="0"/>
+              </a:rPr>
+              <a:t>Given a list, write a Python function to invert the list.</a:t>
+            </a:r>
+          </a:p>
+          <a:p>
+            <a:pPr>
+              <a:buClrTx/>
+            </a:pPr>
+            <a:r>
+              <a:rPr lang="en-US" sz="1800" dirty="0">
+                <a:latin typeface="Helvetica" panose="020B0604020202020204" pitchFamily="34" charset="0"/>
+              </a:rPr>
+              <a:t>Write a Python function to find the max elements in a list and its position.</a:t>
+            </a:r>
+          </a:p>
+          <a:p>
+            <a:pPr>
+              <a:buClrTx/>
+            </a:pPr>
+            <a:r>
+              <a:rPr lang="en-US" sz="1800" dirty="0">
+                <a:latin typeface="Helvetica" panose="020B0604020202020204" pitchFamily="34" charset="0"/>
+              </a:rPr>
+              <a:t>Write a </a:t>
+            </a:r>
+            <a:r>
+              <a:rPr lang="en-US" sz="1800">
+                <a:latin typeface="Helvetica" panose="020B0604020202020204" pitchFamily="34" charset="0"/>
+              </a:rPr>
+              <a:t>Python function </a:t>
+            </a:r>
+            <a:r>
+              <a:rPr lang="en-US" sz="1800" dirty="0">
+                <a:latin typeface="Helvetica" panose="020B0604020202020204" pitchFamily="34" charset="0"/>
+              </a:rPr>
+              <a:t>to print the numbers of a specified list after removing even numbers from it.</a:t>
+            </a:r>
+          </a:p>
+        </p:txBody>
+      </p:sp>
+    </p:spTree>
+    <p:extLst>
+      <p:ext uri="{BB962C8B-B14F-4D97-AF65-F5344CB8AC3E}">
+        <p14:creationId xmlns:p14="http://schemas.microsoft.com/office/powerpoint/2010/main" val="1028946880"/>
+      </p:ext>
+    </p:extLst>
+  </p:cSld>
+  <p:clrMapOvr>
+    <a:masterClrMapping/>
+  </p:clrMapOvr>
+  <mc:AlternateContent xmlns:mc="http://schemas.openxmlformats.org/markup-compatibility/2006" xmlns:p14="http://schemas.microsoft.com/office/powerpoint/2010/main">
+    <mc:Choice Requires="p14">
+      <p:transition p14:dur="300">
+        <p:fade/>
+      </p:transition>
+    </mc:Choice>
+    <mc:Fallback xmlns="">
+      <p:transition>
+        <p:fade/>
+      </p:transition>
+    </mc:Fallback>
+  </mc:AlternateContent>
+</p:sld>
+</file>
+
 <file path=ppt/slides/slide2.xml><?xml version="1.0" encoding="utf-8"?>
 <p:sld xmlns:a="http://schemas.openxmlformats.org/drawingml/2006/main" xmlns:r="http://schemas.openxmlformats.org/officeDocument/2006/relationships" xmlns:p="http://schemas.openxmlformats.org/presentationml/2006/main">
   <p:cSld>
@@ -20498,6 +20360,141 @@
       </p:grpSpPr>
       <p:sp>
         <p:nvSpPr>
+          <p:cNvPr id="5" name="Title 4">
+            <a:extLst>
+              <a:ext uri="{FF2B5EF4-FFF2-40B4-BE49-F238E27FC236}">
+                <a16:creationId xmlns:a16="http://schemas.microsoft.com/office/drawing/2014/main" id="{C41A88B0-CF49-5149-8DBA-17B1BA803727}"/>
+              </a:ext>
+            </a:extLst>
+          </p:cNvPr>
+          <p:cNvSpPr>
+            <a:spLocks noGrp="1"/>
+          </p:cNvSpPr>
+          <p:nvPr>
+            <p:ph type="title"/>
+          </p:nvPr>
+        </p:nvSpPr>
+        <p:spPr>
+          <a:xfrm>
+            <a:off x="179155" y="336084"/>
+            <a:ext cx="8312700" cy="672000"/>
+          </a:xfrm>
+        </p:spPr>
+        <p:txBody>
+          <a:bodyPr/>
+          <a:lstStyle/>
+          <a:p>
+            <a:r>
+              <a:rPr lang="en-US" dirty="0"/>
+              <a:t>Recall Activity</a:t>
+            </a:r>
+          </a:p>
+        </p:txBody>
+      </p:sp>
+      <p:sp>
+        <p:nvSpPr>
+          <p:cNvPr id="7" name="TextBox 6">
+            <a:extLst>
+              <a:ext uri="{FF2B5EF4-FFF2-40B4-BE49-F238E27FC236}">
+                <a16:creationId xmlns:a16="http://schemas.microsoft.com/office/drawing/2014/main" id="{F1F79DD2-1F3F-234C-A44A-3A87D436D29A}"/>
+              </a:ext>
+            </a:extLst>
+          </p:cNvPr>
+          <p:cNvSpPr txBox="1"/>
+          <p:nvPr/>
+        </p:nvSpPr>
+        <p:spPr>
+          <a:xfrm>
+            <a:off x="476335" y="1238186"/>
+            <a:ext cx="8015520" cy="2062103"/>
+          </a:xfrm>
+          <a:prstGeom prst="rect">
+            <a:avLst/>
+          </a:prstGeom>
+          <a:noFill/>
+        </p:spPr>
+        <p:txBody>
+          <a:bodyPr wrap="square" rtlCol="0">
+            <a:spAutoFit/>
+          </a:bodyPr>
+          <a:lstStyle/>
+          <a:p>
+            <a:endParaRPr lang="en-US" dirty="0"/>
+          </a:p>
+          <a:p>
+            <a:pPr marL="285750" indent="-285750">
+              <a:buFont typeface="Arial" panose="020B0604020202020204" pitchFamily="34" charset="0"/>
+              <a:buChar char="•"/>
+            </a:pPr>
+            <a:r>
+              <a:rPr lang="en-US" sz="2000" dirty="0"/>
+              <a:t>What is the difference between a List and a Tuple? Explain using your own words.</a:t>
+            </a:r>
+          </a:p>
+          <a:p>
+            <a:pPr marL="285750" indent="-285750">
+              <a:buFont typeface="Arial" panose="020B0604020202020204" pitchFamily="34" charset="0"/>
+              <a:buChar char="•"/>
+            </a:pPr>
+            <a:endParaRPr lang="en-US" sz="2000" dirty="0"/>
+          </a:p>
+          <a:p>
+            <a:pPr marL="285750" indent="-285750">
+              <a:buFont typeface="Arial" panose="020B0604020202020204" pitchFamily="34" charset="0"/>
+              <a:buChar char="•"/>
+            </a:pPr>
+            <a:r>
+              <a:rPr lang="en-US" sz="2000"/>
+              <a:t>Turn you paper to the TAs or myself at the end of the class</a:t>
+            </a:r>
+          </a:p>
+          <a:p>
+            <a:pPr marL="285750" indent="-285750">
+              <a:buFont typeface="Arial" panose="020B0604020202020204" pitchFamily="34" charset="0"/>
+              <a:buChar char="•"/>
+            </a:pPr>
+            <a:endParaRPr lang="en-US" sz="2000" dirty="0"/>
+          </a:p>
+          <a:p>
+            <a:endParaRPr lang="en-US" dirty="0"/>
+          </a:p>
+        </p:txBody>
+      </p:sp>
+    </p:spTree>
+    <p:extLst>
+      <p:ext uri="{BB962C8B-B14F-4D97-AF65-F5344CB8AC3E}">
+        <p14:creationId xmlns:p14="http://schemas.microsoft.com/office/powerpoint/2010/main" val="3381731544"/>
+      </p:ext>
+    </p:extLst>
+  </p:cSld>
+  <p:clrMapOvr>
+    <a:masterClrMapping/>
+  </p:clrMapOvr>
+  <p:transition>
+    <p:fade/>
+  </p:transition>
+</p:sld>
+</file>
+
+<file path=ppt/slides/slide4.xml><?xml version="1.0" encoding="utf-8"?>
+<p:sld xmlns:a="http://schemas.openxmlformats.org/drawingml/2006/main" xmlns:r="http://schemas.openxmlformats.org/officeDocument/2006/relationships" xmlns:p="http://schemas.openxmlformats.org/presentationml/2006/main">
+  <p:cSld>
+    <p:spTree>
+      <p:nvGrpSpPr>
+        <p:cNvPr id="1" name=""/>
+        <p:cNvGrpSpPr/>
+        <p:nvPr/>
+      </p:nvGrpSpPr>
+      <p:grpSpPr>
+        <a:xfrm>
+          <a:off x="0" y="0"/>
+          <a:ext cx="0" cy="0"/>
+          <a:chOff x="0" y="0"/>
+          <a:chExt cx="0" cy="0"/>
+        </a:xfrm>
+      </p:grpSpPr>
+      <p:sp>
+        <p:nvSpPr>
           <p:cNvPr id="2" name="Title 1">
             <a:extLst>
               <a:ext uri="{FF2B5EF4-FFF2-40B4-BE49-F238E27FC236}">
@@ -21174,7 +21171,7 @@
 </p:sld>
 </file>
 
-<file path=ppt/slides/slide4.xml><?xml version="1.0" encoding="utf-8"?>
+<file path=ppt/slides/slide5.xml><?xml version="1.0" encoding="utf-8"?>
 <p:sld xmlns:a="http://schemas.openxmlformats.org/drawingml/2006/main" xmlns:r="http://schemas.openxmlformats.org/officeDocument/2006/relationships" xmlns:p="http://schemas.openxmlformats.org/presentationml/2006/main">
   <p:cSld>
     <p:spTree>
@@ -21305,7 +21302,7 @@
 </p:sld>
 </file>
 
-<file path=ppt/slides/slide5.xml><?xml version="1.0" encoding="utf-8"?>
+<file path=ppt/slides/slide6.xml><?xml version="1.0" encoding="utf-8"?>
 <p:sld xmlns:a="http://schemas.openxmlformats.org/drawingml/2006/main" xmlns:r="http://schemas.openxmlformats.org/officeDocument/2006/relationships" xmlns:p="http://schemas.openxmlformats.org/presentationml/2006/main">
   <p:cSld>
     <p:spTree>
@@ -22329,7 +22326,7 @@
 </p:sld>
 </file>
 
-<file path=ppt/slides/slide6.xml><?xml version="1.0" encoding="utf-8"?>
+<file path=ppt/slides/slide7.xml><?xml version="1.0" encoding="utf-8"?>
 <p:sld xmlns:a="http://schemas.openxmlformats.org/drawingml/2006/main" xmlns:r="http://schemas.openxmlformats.org/officeDocument/2006/relationships" xmlns:p="http://schemas.openxmlformats.org/presentationml/2006/main">
   <p:cSld>
     <p:spTree>
@@ -22460,7 +22457,7 @@
 </p:sld>
 </file>
 
-<file path=ppt/slides/slide7.xml><?xml version="1.0" encoding="utf-8"?>
+<file path=ppt/slides/slide8.xml><?xml version="1.0" encoding="utf-8"?>
 <p:sld xmlns:a="http://schemas.openxmlformats.org/drawingml/2006/main" xmlns:r="http://schemas.openxmlformats.org/officeDocument/2006/relationships" xmlns:p="http://schemas.openxmlformats.org/presentationml/2006/main">
   <p:cSld>
     <p:spTree>
@@ -22612,7 +22609,7 @@
 </p:sld>
 </file>
 
-<file path=ppt/slides/slide8.xml><?xml version="1.0" encoding="utf-8"?>
+<file path=ppt/slides/slide9.xml><?xml version="1.0" encoding="utf-8"?>
 <p:sld xmlns:a="http://schemas.openxmlformats.org/drawingml/2006/main" xmlns:r="http://schemas.openxmlformats.org/officeDocument/2006/relationships" xmlns:p="http://schemas.openxmlformats.org/presentationml/2006/main">
   <p:cSld>
     <p:spTree>
@@ -22747,206 +22744,13 @@
   <p:clrMapOvr>
     <a:masterClrMapping/>
   </p:clrMapOvr>
-  <mc:AlternateContent xmlns:mc="http://schemas.openxmlformats.org/markup-compatibility/2006">
-    <mc:Choice xmlns:p14="http://schemas.microsoft.com/office/powerpoint/2010/main" Requires="p14">
+  <mc:AlternateContent xmlns:mc="http://schemas.openxmlformats.org/markup-compatibility/2006" xmlns:p14="http://schemas.microsoft.com/office/powerpoint/2010/main">
+    <mc:Choice Requires="p14">
       <p:transition p14:dur="300">
         <p:fade/>
       </p:transition>
     </mc:Choice>
-    <mc:Fallback>
-      <p:transition>
-        <p:fade/>
-      </p:transition>
-    </mc:Fallback>
-  </mc:AlternateContent>
-</p:sld>
-</file>
-
-<file path=ppt/slides/slide9.xml><?xml version="1.0" encoding="utf-8"?>
-<p:sld xmlns:a="http://schemas.openxmlformats.org/drawingml/2006/main" xmlns:r="http://schemas.openxmlformats.org/officeDocument/2006/relationships" xmlns:p="http://schemas.openxmlformats.org/presentationml/2006/main">
-  <p:cSld>
-    <p:spTree>
-      <p:nvGrpSpPr>
-        <p:cNvPr id="1" name=""/>
-        <p:cNvGrpSpPr/>
-        <p:nvPr/>
-      </p:nvGrpSpPr>
-      <p:grpSpPr>
-        <a:xfrm>
-          <a:off x="0" y="0"/>
-          <a:ext cx="0" cy="0"/>
-          <a:chOff x="0" y="0"/>
-          <a:chExt cx="0" cy="0"/>
-        </a:xfrm>
-      </p:grpSpPr>
-      <p:sp>
-        <p:nvSpPr>
-          <p:cNvPr id="2" name="Title 1">
-            <a:extLst>
-              <a:ext uri="{FF2B5EF4-FFF2-40B4-BE49-F238E27FC236}">
-                <a16:creationId xmlns:a16="http://schemas.microsoft.com/office/drawing/2014/main" id="{6302E6FC-80C8-2F4C-A9F0-9B205434775A}"/>
-              </a:ext>
-            </a:extLst>
-          </p:cNvPr>
-          <p:cNvSpPr>
-            <a:spLocks noGrp="1"/>
-          </p:cNvSpPr>
-          <p:nvPr>
-            <p:ph type="title"/>
-          </p:nvPr>
-        </p:nvSpPr>
-        <p:spPr>
-          <a:xfrm>
-            <a:off x="415637" y="0"/>
-            <a:ext cx="8312726" cy="734688"/>
-          </a:xfrm>
-        </p:spPr>
-        <p:txBody>
-          <a:bodyPr/>
-          <a:lstStyle/>
-          <a:p>
-            <a:r>
-              <a:rPr lang="en-US" dirty="0"/>
-              <a:t>List Activities</a:t>
-            </a:r>
-            <a:endParaRPr lang="en-US" sz="2800" dirty="0"/>
-          </a:p>
-        </p:txBody>
-      </p:sp>
-      <p:sp>
-        <p:nvSpPr>
-          <p:cNvPr id="3" name="Text Placeholder 2">
-            <a:extLst>
-              <a:ext uri="{FF2B5EF4-FFF2-40B4-BE49-F238E27FC236}">
-                <a16:creationId xmlns:a16="http://schemas.microsoft.com/office/drawing/2014/main" id="{93E01694-2C32-BA4D-B6F8-4BE99716E841}"/>
-              </a:ext>
-            </a:extLst>
-          </p:cNvPr>
-          <p:cNvSpPr>
-            <a:spLocks noGrp="1"/>
-          </p:cNvSpPr>
-          <p:nvPr>
-            <p:ph type="body" sz="quarter" idx="10"/>
-          </p:nvPr>
-        </p:nvSpPr>
-        <p:spPr>
-          <a:xfrm>
-            <a:off x="415637" y="734688"/>
-            <a:ext cx="8312726" cy="3761286"/>
-          </a:xfrm>
-        </p:spPr>
-        <p:txBody>
-          <a:bodyPr/>
-          <a:lstStyle/>
-          <a:p>
-            <a:pPr>
-              <a:buClrTx/>
-            </a:pPr>
-            <a:r>
-              <a:rPr lang="en-US" sz="1800" b="0" i="0" dirty="0">
-                <a:effectLst/>
-                <a:latin typeface="Helvetica" panose="020B0604020202020204" pitchFamily="34" charset="0"/>
-              </a:rPr>
-              <a:t>Write a Python function to multiply all the items in a list.</a:t>
-            </a:r>
-          </a:p>
-          <a:p>
-            <a:pPr>
-              <a:buClrTx/>
-            </a:pPr>
-            <a:r>
-              <a:rPr lang="en-US" sz="1800" dirty="0">
-                <a:latin typeface="Helvetica" panose="020B0604020202020204" pitchFamily="34" charset="0"/>
-              </a:rPr>
-              <a:t>Write a Python function to calculate the average of the elements in a list.</a:t>
-            </a:r>
-          </a:p>
-          <a:p>
-            <a:pPr>
-              <a:buClrTx/>
-            </a:pPr>
-            <a:r>
-              <a:rPr lang="en-US" sz="1800" dirty="0">
-                <a:latin typeface="Helvetica" panose="020B0604020202020204" pitchFamily="34" charset="0"/>
-              </a:rPr>
-              <a:t>Write a Python function to calculate the number of values that are greater than the average of the elements in a list.</a:t>
-            </a:r>
-          </a:p>
-          <a:p>
-            <a:pPr>
-              <a:buClrTx/>
-            </a:pPr>
-            <a:r>
-              <a:rPr lang="en-US" sz="1800" dirty="0">
-                <a:latin typeface="Helvetica" panose="020B0604020202020204" pitchFamily="34" charset="0"/>
-              </a:rPr>
-              <a:t>Given a list, write a Python function to swap first and last element of the list.</a:t>
-            </a:r>
-          </a:p>
-          <a:p>
-            <a:pPr>
-              <a:buClrTx/>
-            </a:pPr>
-            <a:r>
-              <a:rPr lang="en-US" sz="1800" dirty="0">
-                <a:latin typeface="Helvetica" panose="020B0604020202020204" pitchFamily="34" charset="0"/>
-              </a:rPr>
-              <a:t>Given a list, write a Python function to invert the list.</a:t>
-            </a:r>
-          </a:p>
-          <a:p>
-            <a:pPr>
-              <a:buClrTx/>
-            </a:pPr>
-            <a:r>
-              <a:rPr lang="en-US" sz="1800" dirty="0">
-                <a:latin typeface="Helvetica" panose="020B0604020202020204" pitchFamily="34" charset="0"/>
-              </a:rPr>
-              <a:t>Write a Python function to find the max elements in a list and its position.</a:t>
-            </a:r>
-          </a:p>
-          <a:p>
-            <a:pPr>
-              <a:buClrTx/>
-            </a:pPr>
-            <a:r>
-              <a:rPr lang="en-US" sz="1800" dirty="0">
-                <a:latin typeface="Helvetica" panose="020B0604020202020204" pitchFamily="34" charset="0"/>
-              </a:rPr>
-              <a:t>Write a </a:t>
-            </a:r>
-            <a:r>
-              <a:rPr lang="en-US" sz="1800">
-                <a:latin typeface="Helvetica" panose="020B0604020202020204" pitchFamily="34" charset="0"/>
-              </a:rPr>
-              <a:t>Python function </a:t>
-            </a:r>
-            <a:r>
-              <a:rPr lang="en-US" sz="1800" dirty="0">
-                <a:latin typeface="Helvetica" panose="020B0604020202020204" pitchFamily="34" charset="0"/>
-              </a:rPr>
-              <a:t>to print the numbers of a specified list after removing even numbers from it.</a:t>
-            </a:r>
-          </a:p>
-        </p:txBody>
-      </p:sp>
-    </p:spTree>
-    <p:extLst>
-      <p:ext uri="{BB962C8B-B14F-4D97-AF65-F5344CB8AC3E}">
-        <p14:creationId xmlns:p14="http://schemas.microsoft.com/office/powerpoint/2010/main" val="1028946880"/>
-      </p:ext>
-    </p:extLst>
-  </p:cSld>
-  <p:clrMapOvr>
-    <a:masterClrMapping/>
-  </p:clrMapOvr>
-  <mc:AlternateContent xmlns:mc="http://schemas.openxmlformats.org/markup-compatibility/2006">
-    <mc:Choice xmlns:p14="http://schemas.microsoft.com/office/powerpoint/2010/main" Requires="p14">
-      <p:transition p14:dur="300">
-        <p:fade/>
-      </p:transition>
-    </mc:Choice>
-    <mc:Fallback>
+    <mc:Fallback xmlns="">
       <p:transition>
         <p:fade/>
       </p:transition>
@@ -24088,18 +23892,18 @@
 </file>
 
 <file path=customXml/item2.xml><?xml version="1.0" encoding="utf-8"?>
+<p:properties xmlns:p="http://schemas.microsoft.com/office/2006/metadata/properties" xmlns:xsi="http://www.w3.org/2001/XMLSchema-instance" xmlns:pc="http://schemas.microsoft.com/office/infopath/2007/PartnerControls">
+  <documentManagement/>
+</p:properties>
+</file>
+
+<file path=customXml/item3.xml><?xml version="1.0" encoding="utf-8"?>
 <?mso-contentType ?>
 <FormTemplates xmlns="http://schemas.microsoft.com/sharepoint/v3/contenttype/forms">
   <Display>DocumentLibraryForm</Display>
   <Edit>DocumentLibraryForm</Edit>
   <New>DocumentLibraryForm</New>
 </FormTemplates>
-</file>
-
-<file path=customXml/item3.xml><?xml version="1.0" encoding="utf-8"?>
-<p:properties xmlns:p="http://schemas.microsoft.com/office/2006/metadata/properties" xmlns:xsi="http://www.w3.org/2001/XMLSchema-instance" xmlns:pc="http://schemas.microsoft.com/office/infopath/2007/PartnerControls">
-  <documentManagement/>
-</p:properties>
 </file>
 
 <file path=customXml/itemProps1.xml><?xml version="1.0" encoding="utf-8"?>
@@ -24122,26 +23926,26 @@
 </file>
 
 <file path=customXml/itemProps2.xml><?xml version="1.0" encoding="utf-8"?>
+<ds:datastoreItem xmlns:ds="http://schemas.openxmlformats.org/officeDocument/2006/customXml" ds:itemID="{05D3EE4C-68D3-4BA3-94E6-383E2DFDD168}">
+  <ds:schemaRefs>
+    <ds:schemaRef ds:uri="http://schemas.microsoft.com/office/2006/documentManagement/types"/>
+    <ds:schemaRef ds:uri="http://purl.org/dc/elements/1.1/"/>
+    <ds:schemaRef ds:uri="http://www.w3.org/XML/1998/namespace"/>
+    <ds:schemaRef ds:uri="e06ed288-fd75-4b50-bbed-f5a5df88c31c"/>
+    <ds:schemaRef ds:uri="92c41bee-f0ee-4aa6-9399-a35fbb883510"/>
+    <ds:schemaRef ds:uri="http://schemas.microsoft.com/office/2006/metadata/properties"/>
+    <ds:schemaRef ds:uri="http://purl.org/dc/terms/"/>
+    <ds:schemaRef ds:uri="http://schemas.microsoft.com/office/infopath/2007/PartnerControls"/>
+    <ds:schemaRef ds:uri="http://schemas.openxmlformats.org/package/2006/metadata/core-properties"/>
+    <ds:schemaRef ds:uri="http://purl.org/dc/dcmitype/"/>
+  </ds:schemaRefs>
+</ds:datastoreItem>
+</file>
+
+<file path=customXml/itemProps3.xml><?xml version="1.0" encoding="utf-8"?>
 <ds:datastoreItem xmlns:ds="http://schemas.openxmlformats.org/officeDocument/2006/customXml" ds:itemID="{ECBA097B-6123-4B8A-8BF9-8745C25437D5}">
   <ds:schemaRefs>
     <ds:schemaRef ds:uri="http://schemas.microsoft.com/sharepoint/v3/contenttype/forms"/>
   </ds:schemaRefs>
 </ds:datastoreItem>
-</file>
-
-<file path=customXml/itemProps3.xml><?xml version="1.0" encoding="utf-8"?>
-<ds:datastoreItem xmlns:ds="http://schemas.openxmlformats.org/officeDocument/2006/customXml" ds:itemID="{05D3EE4C-68D3-4BA3-94E6-383E2DFDD168}">
-  <ds:schemaRefs>
-    <ds:schemaRef ds:uri="e06ed288-fd75-4b50-bbed-f5a5df88c31c"/>
-    <ds:schemaRef ds:uri="http://schemas.microsoft.com/office/infopath/2007/PartnerControls"/>
-    <ds:schemaRef ds:uri="http://purl.org/dc/dcmitype/"/>
-    <ds:schemaRef ds:uri="http://schemas.microsoft.com/office/2006/metadata/properties"/>
-    <ds:schemaRef ds:uri="http://schemas.microsoft.com/office/2006/documentManagement/types"/>
-    <ds:schemaRef ds:uri="http://purl.org/dc/terms/"/>
-    <ds:schemaRef ds:uri="http://purl.org/dc/elements/1.1/"/>
-    <ds:schemaRef ds:uri="http://www.w3.org/XML/1998/namespace"/>
-    <ds:schemaRef ds:uri="http://schemas.openxmlformats.org/package/2006/metadata/core-properties"/>
-    <ds:schemaRef ds:uri="92c41bee-f0ee-4aa6-9399-a35fbb883510"/>
-  </ds:schemaRefs>
-</ds:datastoreItem>
 </file>